--- a/kickoff.pptx
+++ b/kickoff.pptx
@@ -1662,7 +1662,7 @@
               <a:lnSpc>
                 <a:spcPct val="125000"/>
               </a:lnSpc>
-              <a:defRPr sz="2400"/>
+              <a:defRPr sz="3200"/>
             </a:lvl1pPr>
           </a:lstStyle>
           <a:p>
@@ -1965,7 +1965,7 @@
               <a:lnSpc>
                 <a:spcPct val="125000"/>
               </a:lnSpc>
-              <a:defRPr sz="2400"/>
+              <a:defRPr sz="3200"/>
             </a:lvl1pPr>
           </a:lstStyle>
           <a:p>
@@ -2537,7 +2537,7 @@
               <a:lnSpc>
                 <a:spcPct val="125000"/>
               </a:lnSpc>
-              <a:defRPr sz="2400"/>
+              <a:defRPr sz="3200"/>
             </a:lvl1pPr>
           </a:lstStyle>
           <a:p>
@@ -3723,10 +3723,17 @@
             <a:pPr lvl="1"/>
             <a:r>
               <a:rPr lang="en-US" altLang="zh-CN" dirty="0"/>
-              <a:t>An open source electronic prototyping</a:t>
-            </a:r>
-          </a:p>
-          <a:p>
+              <a:t>An open source electronic prototyping controller </a:t>
+            </a:r>
+            <a:r>
+              <a:rPr lang="en-US" altLang="zh-CN" sz="1100" dirty="0"/>
+              <a:t>[1]</a:t>
+            </a:r>
+          </a:p>
+          <a:p>
+            <a:pPr marL="179388" lvl="1" indent="0">
+              <a:buNone/>
+            </a:pPr>
             <a:endParaRPr lang="en-US" altLang="zh-CN" dirty="0"/>
           </a:p>
           <a:p>
@@ -3754,7 +3761,28 @@
             </a:r>
           </a:p>
           <a:p>
-            <a:pPr lvl="1"/>
+            <a:endParaRPr lang="en-US" altLang="zh-CN" dirty="0"/>
+          </a:p>
+          <a:p>
+            <a:pPr marL="0" indent="0">
+              <a:buNone/>
+            </a:pPr>
+            <a:r>
+              <a:rPr lang="en-US" altLang="zh-CN" sz="1100" dirty="0"/>
+              <a:t>[1] </a:t>
+            </a:r>
+            <a:r>
+              <a:rPr lang="en-US" altLang="zh-CN" sz="1100" dirty="0">
+                <a:hlinkClick r:id="rId3"/>
+              </a:rPr>
+              <a:t>https://www.arduino.cc/en/guide/introduction</a:t>
+            </a:r>
+            <a:endParaRPr lang="en-US" altLang="zh-CN" sz="1100" dirty="0"/>
+          </a:p>
+          <a:p>
+            <a:pPr marL="0" indent="0">
+              <a:buNone/>
+            </a:pPr>
             <a:endParaRPr lang="en-US" altLang="zh-CN" dirty="0"/>
           </a:p>
         </p:txBody>
@@ -3827,7 +3855,7 @@
           <p:nvPr/>
         </p:nvPicPr>
         <p:blipFill>
-          <a:blip r:embed="rId3" cstate="print">
+          <a:blip r:embed="rId4" cstate="print">
             <a:extLst>
               <a:ext uri="{28A0092B-C50C-407E-A947-70E740481C1C}">
                 <a14:useLocalDpi xmlns:a14="http://schemas.microsoft.com/office/drawing/2010/main" val="0"/>
@@ -3840,7 +3868,7 @@
         </p:blipFill>
         <p:spPr>
           <a:xfrm rot="20182404" flipH="1">
-            <a:off x="5258835" y="1037690"/>
+            <a:off x="6107411" y="1067191"/>
             <a:ext cx="1635476" cy="1586157"/>
           </a:xfrm>
           <a:prstGeom prst="rect">
@@ -3863,7 +3891,7 @@
           <p:nvPr/>
         </p:nvPicPr>
         <p:blipFill>
-          <a:blip r:embed="rId4" cstate="print">
+          <a:blip r:embed="rId5" cstate="print">
             <a:extLst>
               <a:ext uri="{28A0092B-C50C-407E-A947-70E740481C1C}">
                 <a14:useLocalDpi xmlns:a14="http://schemas.microsoft.com/office/drawing/2010/main" val="0"/>
@@ -3876,7 +3904,7 @@
         </p:blipFill>
         <p:spPr>
           <a:xfrm rot="16200000">
-            <a:off x="5297551" y="2043229"/>
+            <a:off x="6146128" y="1984226"/>
             <a:ext cx="1728096" cy="2304129"/>
           </a:xfrm>
           <a:prstGeom prst="rect">
@@ -4188,13 +4216,13 @@
           <a:p>
             <a:r>
               <a:rPr lang="en-US" altLang="zh-CN" dirty="0"/>
-              <a:t>Step 1. Design of a control algorithm.</a:t>
+              <a:t>Step 1. Design  a control algorithm.</a:t>
             </a:r>
           </a:p>
           <a:p>
             <a:r>
               <a:rPr lang="en-US" altLang="zh-CN" dirty="0"/>
-              <a:t>Step 2. Verify of the control algorithm on a predefined trajectory in simulation and real robot.</a:t>
+              <a:t>Step 2. Verify the control algorithm on a predefined trajectory in simulation and real robot.</a:t>
             </a:r>
           </a:p>
           <a:p>

--- a/kickoff.pptx
+++ b/kickoff.pptx
@@ -297,7 +297,7 @@
               <a:pPr>
                 <a:defRPr/>
               </a:pPr>
-              <a:t>13/01/2020</a:t>
+              <a:t>14/01/2020</a:t>
             </a:fld>
             <a:endParaRPr lang="en-GB" dirty="0"/>
           </a:p>
@@ -516,7 +516,7 @@
               <a:pPr>
                 <a:defRPr/>
               </a:pPr>
-              <a:t>13/01/2020</a:t>
+              <a:t>14/01/2020</a:t>
             </a:fld>
             <a:endParaRPr lang="en-GB"/>
           </a:p>
@@ -4146,14 +4146,13 @@
               </a:ext>
             </a:extLst>
           </a:blip>
-          <a:stretch>
-            <a:fillRect/>
-          </a:stretch>
+          <a:srcRect/>
+          <a:stretch/>
         </p:blipFill>
         <p:spPr>
           <a:xfrm>
             <a:off x="2444620" y="1330196"/>
-            <a:ext cx="4443801" cy="4197607"/>
+            <a:ext cx="4443800" cy="4197607"/>
           </a:xfrm>
           <a:prstGeom prst="rect">
             <a:avLst/>
